--- a/0_project/20201111 Semi_Project2/User_UI 구성도.pptx
+++ b/0_project/20201111 Semi_Project2/User_UI 구성도.pptx
@@ -6,6 +6,7 @@
   </p:sldMasterIdLst>
   <p:sldIdLst>
     <p:sldId id="256" r:id="rId2"/>
+    <p:sldId id="257" r:id="rId3"/>
   </p:sldIdLst>
   <p:sldSz cx="12192000" cy="6858000"/>
   <p:notesSz cx="6858000" cy="9144000"/>
@@ -104,6 +105,11 @@
       </a:defRPr>
     </a:lvl9pPr>
   </p:defaultTextStyle>
+  <p:extLst>
+    <p:ext uri="{EFAFB233-063F-42B5-8137-9DF3F51BA10A}">
+      <p15:sldGuideLst xmlns:p15="http://schemas.microsoft.com/office/powerpoint/2012/main"/>
+    </p:ext>
+  </p:extLst>
 </p:presentation>
 </file>
 
@@ -254,7 +260,7 @@
           <a:p>
             <a:fld id="{4C6394F4-2E69-4B42-8556-8337E5D2DFC8}" type="datetimeFigureOut">
               <a:rPr lang="ko-KR" altLang="en-US" smtClean="0"/>
-              <a:t>2020-11-16</a:t>
+              <a:t>2020-11-17</a:t>
             </a:fld>
             <a:endParaRPr lang="ko-KR" altLang="en-US"/>
           </a:p>
@@ -452,7 +458,7 @@
           <a:p>
             <a:fld id="{4C6394F4-2E69-4B42-8556-8337E5D2DFC8}" type="datetimeFigureOut">
               <a:rPr lang="ko-KR" altLang="en-US" smtClean="0"/>
-              <a:t>2020-11-16</a:t>
+              <a:t>2020-11-17</a:t>
             </a:fld>
             <a:endParaRPr lang="ko-KR" altLang="en-US"/>
           </a:p>
@@ -660,7 +666,7 @@
           <a:p>
             <a:fld id="{4C6394F4-2E69-4B42-8556-8337E5D2DFC8}" type="datetimeFigureOut">
               <a:rPr lang="ko-KR" altLang="en-US" smtClean="0"/>
-              <a:t>2020-11-16</a:t>
+              <a:t>2020-11-17</a:t>
             </a:fld>
             <a:endParaRPr lang="ko-KR" altLang="en-US"/>
           </a:p>
@@ -858,7 +864,7 @@
           <a:p>
             <a:fld id="{4C6394F4-2E69-4B42-8556-8337E5D2DFC8}" type="datetimeFigureOut">
               <a:rPr lang="ko-KR" altLang="en-US" smtClean="0"/>
-              <a:t>2020-11-16</a:t>
+              <a:t>2020-11-17</a:t>
             </a:fld>
             <a:endParaRPr lang="ko-KR" altLang="en-US"/>
           </a:p>
@@ -1133,7 +1139,7 @@
           <a:p>
             <a:fld id="{4C6394F4-2E69-4B42-8556-8337E5D2DFC8}" type="datetimeFigureOut">
               <a:rPr lang="ko-KR" altLang="en-US" smtClean="0"/>
-              <a:t>2020-11-16</a:t>
+              <a:t>2020-11-17</a:t>
             </a:fld>
             <a:endParaRPr lang="ko-KR" altLang="en-US"/>
           </a:p>
@@ -1398,7 +1404,7 @@
           <a:p>
             <a:fld id="{4C6394F4-2E69-4B42-8556-8337E5D2DFC8}" type="datetimeFigureOut">
               <a:rPr lang="ko-KR" altLang="en-US" smtClean="0"/>
-              <a:t>2020-11-16</a:t>
+              <a:t>2020-11-17</a:t>
             </a:fld>
             <a:endParaRPr lang="ko-KR" altLang="en-US"/>
           </a:p>
@@ -1810,7 +1816,7 @@
           <a:p>
             <a:fld id="{4C6394F4-2E69-4B42-8556-8337E5D2DFC8}" type="datetimeFigureOut">
               <a:rPr lang="ko-KR" altLang="en-US" smtClean="0"/>
-              <a:t>2020-11-16</a:t>
+              <a:t>2020-11-17</a:t>
             </a:fld>
             <a:endParaRPr lang="ko-KR" altLang="en-US"/>
           </a:p>
@@ -1951,7 +1957,7 @@
           <a:p>
             <a:fld id="{4C6394F4-2E69-4B42-8556-8337E5D2DFC8}" type="datetimeFigureOut">
               <a:rPr lang="ko-KR" altLang="en-US" smtClean="0"/>
-              <a:t>2020-11-16</a:t>
+              <a:t>2020-11-17</a:t>
             </a:fld>
             <a:endParaRPr lang="ko-KR" altLang="en-US"/>
           </a:p>
@@ -2064,7 +2070,7 @@
           <a:p>
             <a:fld id="{4C6394F4-2E69-4B42-8556-8337E5D2DFC8}" type="datetimeFigureOut">
               <a:rPr lang="ko-KR" altLang="en-US" smtClean="0"/>
-              <a:t>2020-11-16</a:t>
+              <a:t>2020-11-17</a:t>
             </a:fld>
             <a:endParaRPr lang="ko-KR" altLang="en-US"/>
           </a:p>
@@ -2375,7 +2381,7 @@
           <a:p>
             <a:fld id="{4C6394F4-2E69-4B42-8556-8337E5D2DFC8}" type="datetimeFigureOut">
               <a:rPr lang="ko-KR" altLang="en-US" smtClean="0"/>
-              <a:t>2020-11-16</a:t>
+              <a:t>2020-11-17</a:t>
             </a:fld>
             <a:endParaRPr lang="ko-KR" altLang="en-US"/>
           </a:p>
@@ -2663,7 +2669,7 @@
           <a:p>
             <a:fld id="{4C6394F4-2E69-4B42-8556-8337E5D2DFC8}" type="datetimeFigureOut">
               <a:rPr lang="ko-KR" altLang="en-US" smtClean="0"/>
-              <a:t>2020-11-16</a:t>
+              <a:t>2020-11-17</a:t>
             </a:fld>
             <a:endParaRPr lang="ko-KR" altLang="en-US"/>
           </a:p>
@@ -2904,7 +2910,7 @@
           <a:p>
             <a:fld id="{4C6394F4-2E69-4B42-8556-8337E5D2DFC8}" type="datetimeFigureOut">
               <a:rPr lang="ko-KR" altLang="en-US" smtClean="0"/>
-              <a:t>2020-11-16</a:t>
+              <a:t>2020-11-17</a:t>
             </a:fld>
             <a:endParaRPr lang="ko-KR" altLang="en-US"/>
           </a:p>
@@ -4184,34 +4190,9 @@
           <a:lstStyle/>
           <a:p>
             <a:r>
-              <a:rPr lang="en-US" altLang="ko-KR" sz="1200" dirty="0"/>
-              <a:t>Order List Data </a:t>
-            </a:r>
-            <a:r>
               <a:rPr lang="ko-KR" altLang="en-US" sz="1200" dirty="0"/>
-              <a:t>를 통한 </a:t>
-            </a:r>
-            <a:r>
-              <a:rPr lang="en-US" altLang="ko-KR" sz="1200" dirty="0"/>
-              <a:t>QR </a:t>
-            </a:r>
-            <a:r>
-              <a:rPr lang="ko-KR" altLang="en-US" sz="1200" dirty="0"/>
-              <a:t>코드 생성</a:t>
-            </a:r>
-            <a:r>
-              <a:rPr lang="en-US" altLang="ko-KR" sz="1200" dirty="0"/>
-              <a:t>(</a:t>
-            </a:r>
-            <a:r>
-              <a:rPr lang="en-US" altLang="ko-KR" sz="1200" dirty="0" err="1"/>
-              <a:t>JSon</a:t>
-            </a:r>
-            <a:r>
-              <a:rPr lang="en-US" altLang="ko-KR" sz="1200" dirty="0"/>
-              <a:t>)</a:t>
-            </a:r>
-            <a:endParaRPr lang="ko-KR" altLang="en-US" sz="1200" dirty="0"/>
+              <a:t>결제완료 후 장바구니로 이동</a:t>
+            </a:r>
           </a:p>
         </p:txBody>
       </p:sp>
@@ -4219,6 +4200,568 @@
     <p:extLst>
       <p:ext uri="{BB962C8B-B14F-4D97-AF65-F5344CB8AC3E}">
         <p14:creationId xmlns:p14="http://schemas.microsoft.com/office/powerpoint/2010/main" val="220831181"/>
+      </p:ext>
+    </p:extLst>
+  </p:cSld>
+  <p:clrMapOvr>
+    <a:masterClrMapping/>
+  </p:clrMapOvr>
+</p:sld>
+</file>
+
+<file path=ppt/slides/slide2.xml><?xml version="1.0" encoding="utf-8"?>
+<p:sld xmlns:a="http://schemas.openxmlformats.org/drawingml/2006/main" xmlns:r="http://schemas.openxmlformats.org/officeDocument/2006/relationships" xmlns:p="http://schemas.openxmlformats.org/presentationml/2006/main">
+  <p:cSld>
+    <p:spTree>
+      <p:nvGrpSpPr>
+        <p:cNvPr id="1" name=""/>
+        <p:cNvGrpSpPr/>
+        <p:nvPr/>
+      </p:nvGrpSpPr>
+      <p:grpSpPr>
+        <a:xfrm>
+          <a:off x="0" y="0"/>
+          <a:ext cx="0" cy="0"/>
+          <a:chOff x="0" y="0"/>
+          <a:chExt cx="0" cy="0"/>
+        </a:xfrm>
+      </p:grpSpPr>
+      <p:sp>
+        <p:nvSpPr>
+          <p:cNvPr id="4" name="직사각형 3">
+            <a:extLst>
+              <a:ext uri="{FF2B5EF4-FFF2-40B4-BE49-F238E27FC236}">
+                <a16:creationId xmlns:a16="http://schemas.microsoft.com/office/drawing/2014/main" id="{079E8C9D-ACA0-4EE0-8407-1414B98B9BA0}"/>
+              </a:ext>
+            </a:extLst>
+          </p:cNvPr>
+          <p:cNvSpPr/>
+          <p:nvPr/>
+        </p:nvSpPr>
+        <p:spPr>
+          <a:xfrm>
+            <a:off x="2201663" y="1056443"/>
+            <a:ext cx="2876365" cy="4647459"/>
+          </a:xfrm>
+          <a:prstGeom prst="rect">
+            <a:avLst/>
+          </a:prstGeom>
+          <a:noFill/>
+          <a:ln>
+            <a:solidFill>
+              <a:schemeClr val="tx1"/>
+            </a:solidFill>
+          </a:ln>
+        </p:spPr>
+        <p:style>
+          <a:lnRef idx="2">
+            <a:schemeClr val="accent1">
+              <a:shade val="50000"/>
+            </a:schemeClr>
+          </a:lnRef>
+          <a:fillRef idx="1">
+            <a:schemeClr val="accent1"/>
+          </a:fillRef>
+          <a:effectRef idx="0">
+            <a:schemeClr val="accent1"/>
+          </a:effectRef>
+          <a:fontRef idx="minor">
+            <a:schemeClr val="lt1"/>
+          </a:fontRef>
+        </p:style>
+        <p:txBody>
+          <a:bodyPr rtlCol="0" anchor="ctr"/>
+          <a:lstStyle/>
+          <a:p>
+            <a:pPr algn="ctr"/>
+            <a:endParaRPr lang="ko-KR" altLang="en-US"/>
+          </a:p>
+        </p:txBody>
+      </p:sp>
+      <p:sp>
+        <p:nvSpPr>
+          <p:cNvPr id="5" name="직사각형 4">
+            <a:extLst>
+              <a:ext uri="{FF2B5EF4-FFF2-40B4-BE49-F238E27FC236}">
+                <a16:creationId xmlns:a16="http://schemas.microsoft.com/office/drawing/2014/main" id="{6E71714C-A702-4618-8978-DB2C60DCE956}"/>
+              </a:ext>
+            </a:extLst>
+          </p:cNvPr>
+          <p:cNvSpPr/>
+          <p:nvPr/>
+        </p:nvSpPr>
+        <p:spPr>
+          <a:xfrm>
+            <a:off x="2299317" y="1481269"/>
+            <a:ext cx="2636667" cy="3626720"/>
+          </a:xfrm>
+          <a:prstGeom prst="rect">
+            <a:avLst/>
+          </a:prstGeom>
+          <a:noFill/>
+          <a:ln w="28575"/>
+        </p:spPr>
+        <p:style>
+          <a:lnRef idx="2">
+            <a:schemeClr val="accent1">
+              <a:shade val="50000"/>
+            </a:schemeClr>
+          </a:lnRef>
+          <a:fillRef idx="1">
+            <a:schemeClr val="accent1"/>
+          </a:fillRef>
+          <a:effectRef idx="0">
+            <a:schemeClr val="accent1"/>
+          </a:effectRef>
+          <a:fontRef idx="minor">
+            <a:schemeClr val="lt1"/>
+          </a:fontRef>
+        </p:style>
+        <p:txBody>
+          <a:bodyPr rtlCol="0" anchor="ctr"/>
+          <a:lstStyle/>
+          <a:p>
+            <a:pPr algn="ctr"/>
+            <a:endParaRPr lang="ko-KR" altLang="en-US"/>
+          </a:p>
+        </p:txBody>
+      </p:sp>
+      <p:sp>
+        <p:nvSpPr>
+          <p:cNvPr id="11" name="직사각형 10">
+            <a:extLst>
+              <a:ext uri="{FF2B5EF4-FFF2-40B4-BE49-F238E27FC236}">
+                <a16:creationId xmlns:a16="http://schemas.microsoft.com/office/drawing/2014/main" id="{2B57896B-20B9-4C8F-A361-123483317586}"/>
+              </a:ext>
+            </a:extLst>
+          </p:cNvPr>
+          <p:cNvSpPr/>
+          <p:nvPr/>
+        </p:nvSpPr>
+        <p:spPr>
+          <a:xfrm>
+            <a:off x="2982893" y="5298858"/>
+            <a:ext cx="1269507" cy="259672"/>
+          </a:xfrm>
+          <a:prstGeom prst="rect">
+            <a:avLst/>
+          </a:prstGeom>
+          <a:noFill/>
+          <a:ln w="28575">
+            <a:solidFill>
+              <a:schemeClr val="tx1"/>
+            </a:solidFill>
+          </a:ln>
+        </p:spPr>
+        <p:style>
+          <a:lnRef idx="2">
+            <a:schemeClr val="accent1">
+              <a:shade val="50000"/>
+            </a:schemeClr>
+          </a:lnRef>
+          <a:fillRef idx="1">
+            <a:schemeClr val="accent1"/>
+          </a:fillRef>
+          <a:effectRef idx="0">
+            <a:schemeClr val="accent1"/>
+          </a:effectRef>
+          <a:fontRef idx="minor">
+            <a:schemeClr val="lt1"/>
+          </a:fontRef>
+        </p:style>
+        <p:txBody>
+          <a:bodyPr rtlCol="0" anchor="ctr"/>
+          <a:lstStyle/>
+          <a:p>
+            <a:pPr algn="ctr"/>
+            <a:endParaRPr lang="ko-KR" altLang="en-US"/>
+          </a:p>
+        </p:txBody>
+      </p:sp>
+      <p:sp>
+        <p:nvSpPr>
+          <p:cNvPr id="12" name="TextBox 11">
+            <a:extLst>
+              <a:ext uri="{FF2B5EF4-FFF2-40B4-BE49-F238E27FC236}">
+                <a16:creationId xmlns:a16="http://schemas.microsoft.com/office/drawing/2014/main" id="{D1B6362D-C8E9-4A70-B67E-BEDD1AD41EF8}"/>
+              </a:ext>
+            </a:extLst>
+          </p:cNvPr>
+          <p:cNvSpPr txBox="1"/>
+          <p:nvPr/>
+        </p:nvSpPr>
+        <p:spPr>
+          <a:xfrm>
+            <a:off x="3073157" y="3109963"/>
+            <a:ext cx="1269506" cy="369332"/>
+          </a:xfrm>
+          <a:prstGeom prst="rect">
+            <a:avLst/>
+          </a:prstGeom>
+          <a:noFill/>
+        </p:spPr>
+        <p:txBody>
+          <a:bodyPr wrap="square" rtlCol="0">
+            <a:spAutoFit/>
+          </a:bodyPr>
+          <a:lstStyle/>
+          <a:p>
+            <a:r>
+              <a:rPr lang="en-US" altLang="ko-KR" dirty="0"/>
+              <a:t>Cart List</a:t>
+            </a:r>
+            <a:endParaRPr lang="ko-KR" altLang="en-US" dirty="0"/>
+          </a:p>
+        </p:txBody>
+      </p:sp>
+      <p:sp>
+        <p:nvSpPr>
+          <p:cNvPr id="18" name="TextBox 17">
+            <a:extLst>
+              <a:ext uri="{FF2B5EF4-FFF2-40B4-BE49-F238E27FC236}">
+                <a16:creationId xmlns:a16="http://schemas.microsoft.com/office/drawing/2014/main" id="{AB67CB55-AC89-4572-8E30-87BED4802737}"/>
+              </a:ext>
+            </a:extLst>
+          </p:cNvPr>
+          <p:cNvSpPr txBox="1"/>
+          <p:nvPr/>
+        </p:nvSpPr>
+        <p:spPr>
+          <a:xfrm>
+            <a:off x="3153047" y="5279911"/>
+            <a:ext cx="1269506" cy="307777"/>
+          </a:xfrm>
+          <a:prstGeom prst="rect">
+            <a:avLst/>
+          </a:prstGeom>
+          <a:noFill/>
+        </p:spPr>
+        <p:txBody>
+          <a:bodyPr wrap="square" rtlCol="0">
+            <a:spAutoFit/>
+          </a:bodyPr>
+          <a:lstStyle/>
+          <a:p>
+            <a:r>
+              <a:rPr lang="ko-KR" altLang="en-US" sz="1400" dirty="0"/>
+              <a:t>주문하기</a:t>
+            </a:r>
+          </a:p>
+        </p:txBody>
+      </p:sp>
+      <p:cxnSp>
+        <p:nvCxnSpPr>
+          <p:cNvPr id="20" name="연결선: 꺾임 19">
+            <a:extLst>
+              <a:ext uri="{FF2B5EF4-FFF2-40B4-BE49-F238E27FC236}">
+                <a16:creationId xmlns:a16="http://schemas.microsoft.com/office/drawing/2014/main" id="{EDE59DA9-0638-4B99-9D0C-BE13FB587A66}"/>
+              </a:ext>
+            </a:extLst>
+          </p:cNvPr>
+          <p:cNvCxnSpPr>
+            <a:cxnSpLocks/>
+            <a:stCxn id="5" idx="3"/>
+          </p:cNvCxnSpPr>
+          <p:nvPr/>
+        </p:nvCxnSpPr>
+        <p:spPr>
+          <a:xfrm flipV="1">
+            <a:off x="4935984" y="1623311"/>
+            <a:ext cx="1837678" cy="1671318"/>
+          </a:xfrm>
+          <a:prstGeom prst="bentConnector3">
+            <a:avLst/>
+          </a:prstGeom>
+          <a:ln>
+            <a:tailEnd type="triangle"/>
+          </a:ln>
+        </p:spPr>
+        <p:style>
+          <a:lnRef idx="1">
+            <a:schemeClr val="accent1"/>
+          </a:lnRef>
+          <a:fillRef idx="0">
+            <a:schemeClr val="accent1"/>
+          </a:fillRef>
+          <a:effectRef idx="0">
+            <a:schemeClr val="accent1"/>
+          </a:effectRef>
+          <a:fontRef idx="minor">
+            <a:schemeClr val="tx1"/>
+          </a:fontRef>
+        </p:style>
+      </p:cxnSp>
+      <p:sp>
+        <p:nvSpPr>
+          <p:cNvPr id="21" name="TextBox 20">
+            <a:extLst>
+              <a:ext uri="{FF2B5EF4-FFF2-40B4-BE49-F238E27FC236}">
+                <a16:creationId xmlns:a16="http://schemas.microsoft.com/office/drawing/2014/main" id="{97D888F2-5DB3-48E3-9E70-843F4408EE98}"/>
+              </a:ext>
+            </a:extLst>
+          </p:cNvPr>
+          <p:cNvSpPr txBox="1"/>
+          <p:nvPr/>
+        </p:nvSpPr>
+        <p:spPr>
+          <a:xfrm>
+            <a:off x="6856526" y="1254614"/>
+            <a:ext cx="4045256" cy="461665"/>
+          </a:xfrm>
+          <a:prstGeom prst="rect">
+            <a:avLst/>
+          </a:prstGeom>
+          <a:noFill/>
+        </p:spPr>
+        <p:txBody>
+          <a:bodyPr wrap="square" rtlCol="0">
+            <a:spAutoFit/>
+          </a:bodyPr>
+          <a:lstStyle/>
+          <a:p>
+            <a:r>
+              <a:rPr lang="en-US" altLang="ko-KR" sz="1200" dirty="0"/>
+              <a:t>User </a:t>
+            </a:r>
+            <a:r>
+              <a:rPr lang="ko-KR" altLang="en-US" sz="1200" dirty="0"/>
+              <a:t>가 결제 한 내역 </a:t>
+            </a:r>
+            <a:r>
+              <a:rPr lang="en-US" altLang="ko-KR" sz="1200" dirty="0"/>
+              <a:t>Cart List</a:t>
+            </a:r>
+            <a:r>
+              <a:rPr lang="ko-KR" altLang="en-US" sz="1200" dirty="0"/>
+              <a:t>에 출력</a:t>
+            </a:r>
+            <a:endParaRPr lang="en-US" altLang="ko-KR" sz="1200" dirty="0"/>
+          </a:p>
+          <a:p>
+            <a:r>
+              <a:rPr lang="en-US" altLang="ko-KR" sz="1200" dirty="0"/>
+              <a:t>(</a:t>
+            </a:r>
+            <a:r>
+              <a:rPr lang="ko-KR" altLang="en-US" sz="1200" dirty="0"/>
+              <a:t>제품명 </a:t>
+            </a:r>
+            <a:r>
+              <a:rPr lang="en-US" altLang="ko-KR" sz="1200" dirty="0"/>
+              <a:t>/ </a:t>
+            </a:r>
+            <a:r>
+              <a:rPr lang="ko-KR" altLang="en-US" sz="1200" dirty="0"/>
+              <a:t>가격 </a:t>
+            </a:r>
+            <a:r>
+              <a:rPr lang="en-US" altLang="ko-KR" sz="1200" dirty="0"/>
+              <a:t>/ </a:t>
+            </a:r>
+            <a:r>
+              <a:rPr lang="ko-KR" altLang="en-US" sz="1200" dirty="0"/>
+              <a:t>구매 수량</a:t>
+            </a:r>
+            <a:r>
+              <a:rPr lang="en-US" altLang="ko-KR" sz="1200" dirty="0"/>
+              <a:t>)</a:t>
+            </a:r>
+            <a:endParaRPr lang="ko-KR" altLang="en-US" sz="1200" dirty="0"/>
+          </a:p>
+        </p:txBody>
+      </p:sp>
+      <p:cxnSp>
+        <p:nvCxnSpPr>
+          <p:cNvPr id="35" name="직선 화살표 연결선 34">
+            <a:extLst>
+              <a:ext uri="{FF2B5EF4-FFF2-40B4-BE49-F238E27FC236}">
+                <a16:creationId xmlns:a16="http://schemas.microsoft.com/office/drawing/2014/main" id="{7598068E-CEA6-4174-BB71-E5F065AE844E}"/>
+              </a:ext>
+            </a:extLst>
+          </p:cNvPr>
+          <p:cNvCxnSpPr>
+            <a:stCxn id="18" idx="3"/>
+          </p:cNvCxnSpPr>
+          <p:nvPr/>
+        </p:nvCxnSpPr>
+        <p:spPr>
+          <a:xfrm flipV="1">
+            <a:off x="4422553" y="5428694"/>
+            <a:ext cx="2351109" cy="5106"/>
+          </a:xfrm>
+          <a:prstGeom prst="straightConnector1">
+            <a:avLst/>
+          </a:prstGeom>
+          <a:ln>
+            <a:tailEnd type="triangle"/>
+          </a:ln>
+        </p:spPr>
+        <p:style>
+          <a:lnRef idx="1">
+            <a:schemeClr val="accent1"/>
+          </a:lnRef>
+          <a:fillRef idx="0">
+            <a:schemeClr val="accent1"/>
+          </a:fillRef>
+          <a:effectRef idx="0">
+            <a:schemeClr val="accent1"/>
+          </a:effectRef>
+          <a:fontRef idx="minor">
+            <a:schemeClr val="tx1"/>
+          </a:fontRef>
+        </p:style>
+      </p:cxnSp>
+      <p:sp>
+        <p:nvSpPr>
+          <p:cNvPr id="36" name="TextBox 35">
+            <a:extLst>
+              <a:ext uri="{FF2B5EF4-FFF2-40B4-BE49-F238E27FC236}">
+                <a16:creationId xmlns:a16="http://schemas.microsoft.com/office/drawing/2014/main" id="{96729384-E735-4CD0-AC64-66ED8655787F}"/>
+              </a:ext>
+            </a:extLst>
+          </p:cNvPr>
+          <p:cNvSpPr txBox="1"/>
+          <p:nvPr/>
+        </p:nvSpPr>
+        <p:spPr>
+          <a:xfrm>
+            <a:off x="6856526" y="5290194"/>
+            <a:ext cx="4045256" cy="276999"/>
+          </a:xfrm>
+          <a:prstGeom prst="rect">
+            <a:avLst/>
+          </a:prstGeom>
+          <a:noFill/>
+        </p:spPr>
+        <p:txBody>
+          <a:bodyPr wrap="square" rtlCol="0">
+            <a:spAutoFit/>
+          </a:bodyPr>
+          <a:lstStyle/>
+          <a:p>
+            <a:r>
+              <a:rPr lang="en-US" altLang="ko-KR" sz="1200" dirty="0"/>
+              <a:t>Cart</a:t>
+            </a:r>
+            <a:r>
+              <a:rPr lang="ko-KR" altLang="en-US" sz="1200" dirty="0"/>
+              <a:t> </a:t>
+            </a:r>
+            <a:r>
+              <a:rPr lang="en-US" altLang="ko-KR" sz="1200" dirty="0"/>
+              <a:t>List</a:t>
+            </a:r>
+            <a:r>
+              <a:rPr lang="ko-KR" altLang="en-US" sz="1200" dirty="0"/>
+              <a:t> 내역 </a:t>
+            </a:r>
+            <a:r>
+              <a:rPr lang="en-US" altLang="ko-KR" sz="1200" dirty="0" err="1"/>
+              <a:t>QRCode</a:t>
+            </a:r>
+            <a:r>
+              <a:rPr lang="en-US" altLang="ko-KR" sz="1200" dirty="0"/>
+              <a:t> </a:t>
+            </a:r>
+            <a:r>
+              <a:rPr lang="ko-KR" altLang="en-US" sz="1200" dirty="0"/>
+              <a:t>생성</a:t>
+            </a:r>
+          </a:p>
+        </p:txBody>
+      </p:sp>
+      <p:sp>
+        <p:nvSpPr>
+          <p:cNvPr id="25" name="직사각형 24">
+            <a:extLst>
+              <a:ext uri="{FF2B5EF4-FFF2-40B4-BE49-F238E27FC236}">
+                <a16:creationId xmlns:a16="http://schemas.microsoft.com/office/drawing/2014/main" id="{7F3B03CA-8F92-45D2-91CD-C98E3922072C}"/>
+              </a:ext>
+            </a:extLst>
+          </p:cNvPr>
+          <p:cNvSpPr/>
+          <p:nvPr/>
+        </p:nvSpPr>
+        <p:spPr>
+          <a:xfrm>
+            <a:off x="2299315" y="1154098"/>
+            <a:ext cx="2636667" cy="259672"/>
+          </a:xfrm>
+          <a:prstGeom prst="rect">
+            <a:avLst/>
+          </a:prstGeom>
+          <a:noFill/>
+          <a:ln w="28575">
+            <a:solidFill>
+              <a:schemeClr val="tx1"/>
+            </a:solidFill>
+          </a:ln>
+        </p:spPr>
+        <p:style>
+          <a:lnRef idx="2">
+            <a:schemeClr val="accent1">
+              <a:shade val="50000"/>
+            </a:schemeClr>
+          </a:lnRef>
+          <a:fillRef idx="1">
+            <a:schemeClr val="accent1"/>
+          </a:fillRef>
+          <a:effectRef idx="0">
+            <a:schemeClr val="accent1"/>
+          </a:effectRef>
+          <a:fontRef idx="minor">
+            <a:schemeClr val="lt1"/>
+          </a:fontRef>
+        </p:style>
+        <p:txBody>
+          <a:bodyPr rtlCol="0" anchor="ctr"/>
+          <a:lstStyle/>
+          <a:p>
+            <a:pPr algn="ctr"/>
+            <a:endParaRPr lang="ko-KR" altLang="en-US"/>
+          </a:p>
+        </p:txBody>
+      </p:sp>
+      <p:sp>
+        <p:nvSpPr>
+          <p:cNvPr id="26" name="TextBox 25">
+            <a:extLst>
+              <a:ext uri="{FF2B5EF4-FFF2-40B4-BE49-F238E27FC236}">
+                <a16:creationId xmlns:a16="http://schemas.microsoft.com/office/drawing/2014/main" id="{16E97F8F-3B89-4AD9-8E3F-287E5E80FD7E}"/>
+              </a:ext>
+            </a:extLst>
+          </p:cNvPr>
+          <p:cNvSpPr txBox="1"/>
+          <p:nvPr/>
+        </p:nvSpPr>
+        <p:spPr>
+          <a:xfrm>
+            <a:off x="3153047" y="1135151"/>
+            <a:ext cx="1269506" cy="307777"/>
+          </a:xfrm>
+          <a:prstGeom prst="rect">
+            <a:avLst/>
+          </a:prstGeom>
+          <a:noFill/>
+        </p:spPr>
+        <p:txBody>
+          <a:bodyPr wrap="square" rtlCol="0">
+            <a:spAutoFit/>
+          </a:bodyPr>
+          <a:lstStyle/>
+          <a:p>
+            <a:r>
+              <a:rPr lang="ko-KR" altLang="en-US" sz="1400"/>
+              <a:t>장바구니</a:t>
+            </a:r>
+            <a:endParaRPr lang="ko-KR" altLang="en-US" sz="1400" dirty="0"/>
+          </a:p>
+        </p:txBody>
+      </p:sp>
+    </p:spTree>
+    <p:extLst>
+      <p:ext uri="{BB962C8B-B14F-4D97-AF65-F5344CB8AC3E}">
+        <p14:creationId xmlns:p14="http://schemas.microsoft.com/office/powerpoint/2010/main" val="197218050"/>
       </p:ext>
     </p:extLst>
   </p:cSld>
